--- a/report/RECORD LINKAGE Rev Fede + Sil + Ivo.pptx
+++ b/report/RECORD LINKAGE Rev Fede + Sil + Ivo.pptx
@@ -9,8 +9,8 @@
     <p:sldId id="257" r:id="rId3"/>
     <p:sldId id="258" r:id="rId4"/>
     <p:sldId id="261" r:id="rId5"/>
-    <p:sldId id="260" r:id="rId6"/>
-    <p:sldId id="265" r:id="rId7"/>
+    <p:sldId id="265" r:id="rId6"/>
+    <p:sldId id="260" r:id="rId7"/>
     <p:sldId id="266" r:id="rId8"/>
     <p:sldId id="268" r:id="rId9"/>
     <p:sldId id="267" r:id="rId10"/>
@@ -8523,8 +8523,16 @@
               <a:buNone/>
             </a:pPr>
             <a:r>
-              <a:rPr lang="it-IT" sz="1300"/>
-              <a:t>Per semplificare la gestione del metodo, in particolare la fase di integrazione delle informazioni, si è scelto di eseguire un’ulteriore fase di preprocessing dei dati. </a:t>
+              <a:rPr lang="it-IT" sz="1300" dirty="0"/>
+              <a:t>Per semplificare la gestione del metodo, in particolare la fase di integrazione delle informazioni, si è scelto di eseguire un’ulteriore fase di </a:t>
+            </a:r>
+            <a:r>
+              <a:rPr lang="it-IT" sz="1300" dirty="0" err="1"/>
+              <a:t>preprocessing</a:t>
+            </a:r>
+            <a:r>
+              <a:rPr lang="it-IT" sz="1300" dirty="0"/>
+              <a:t> dei dati. </a:t>
             </a:r>
           </a:p>
           <a:p>
@@ -8535,8 +8543,16 @@
               <a:buNone/>
             </a:pPr>
             <a:r>
-              <a:rPr lang="it-IT" sz="1300"/>
-              <a:t>Gli algoritmi di Machine Learning utilizzati sono nuovamente ECM e K-Means.</a:t>
+              <a:rPr lang="it-IT" sz="1300" dirty="0"/>
+              <a:t>Gli algoritmi di Machine Learning utilizzati sono nuovamente ECM e K-</a:t>
+            </a:r>
+            <a:r>
+              <a:rPr lang="it-IT" sz="1300" dirty="0" err="1"/>
+              <a:t>Means</a:t>
+            </a:r>
+            <a:r>
+              <a:rPr lang="it-IT" sz="1300" dirty="0"/>
+              <a:t>.</a:t>
             </a:r>
           </a:p>
           <a:p>
@@ -8547,29 +8563,41 @@
               <a:buNone/>
             </a:pPr>
             <a:r>
-              <a:rPr lang="it-IT" sz="1300"/>
+              <a:rPr lang="it-IT" sz="1300" dirty="0"/>
               <a:t>Tutti i match trovati sono stati considerati </a:t>
             </a:r>
             <a:r>
-              <a:rPr lang="it-IT" sz="1300" i="1"/>
+              <a:rPr lang="it-IT" sz="1300" i="1" dirty="0"/>
               <a:t>match possibili</a:t>
             </a:r>
             <a:r>
-              <a:rPr lang="it-IT" sz="1300"/>
+              <a:rPr lang="it-IT" sz="1300" dirty="0"/>
               <a:t>: i </a:t>
             </a:r>
             <a:r>
-              <a:rPr lang="it-IT" sz="1300" i="1"/>
-              <a:t>true match </a:t>
+              <a:rPr lang="it-IT" sz="1300" i="1" dirty="0" err="1"/>
+              <a:t>true</a:t>
             </a:r>
             <a:r>
-              <a:rPr lang="it-IT" sz="1300"/>
-              <a:t>sono identificati calcolando la distanza Jaro-Winkler tra il valore del nome del ristorante dei match possibili.</a:t>
+              <a:rPr lang="it-IT" sz="1300" i="1" dirty="0"/>
+              <a:t> match </a:t>
+            </a:r>
+            <a:r>
+              <a:rPr lang="it-IT" sz="1300" dirty="0"/>
+              <a:t>sono identificati calcolando la distanza </a:t>
+            </a:r>
+            <a:r>
+              <a:rPr lang="it-IT" sz="1300" dirty="0" err="1"/>
+              <a:t>Jaro</a:t>
+            </a:r>
+            <a:r>
+              <a:rPr lang="it-IT" sz="1300" dirty="0"/>
+              <a:t>-Winkler tra il valore del nome del ristorante dei match possibili.</a:t>
             </a:r>
             <a:br>
-              <a:rPr lang="it-IT" sz="1300"/>
+              <a:rPr lang="it-IT" sz="1300" dirty="0"/>
             </a:br>
-            <a:endParaRPr lang="it-IT" sz="1300"/>
+            <a:endParaRPr lang="it-IT" sz="1300" dirty="0"/>
           </a:p>
           <a:p>
             <a:pPr marL="0" indent="0">
@@ -8578,7 +8606,7 @@
               </a:lnSpc>
               <a:buNone/>
             </a:pPr>
-            <a:endParaRPr lang="it-IT" sz="1300"/>
+            <a:endParaRPr lang="it-IT" sz="1300" dirty="0"/>
           </a:p>
           <a:p>
             <a:pPr marL="0" indent="0">
@@ -8587,7 +8615,7 @@
               </a:lnSpc>
               <a:buNone/>
             </a:pPr>
-            <a:endParaRPr lang="it-IT" sz="1300"/>
+            <a:endParaRPr lang="it-IT" sz="1300" dirty="0"/>
           </a:p>
           <a:p>
             <a:pPr marL="0" indent="0">
@@ -8596,7 +8624,7 @@
               </a:lnSpc>
               <a:buNone/>
             </a:pPr>
-            <a:endParaRPr lang="it-IT" sz="1300"/>
+            <a:endParaRPr lang="it-IT" sz="1300" dirty="0"/>
           </a:p>
           <a:p>
             <a:pPr marL="0" indent="0">
@@ -8605,7 +8633,7 @@
               </a:lnSpc>
               <a:buNone/>
             </a:pPr>
-            <a:endParaRPr lang="it-IT" sz="1300"/>
+            <a:endParaRPr lang="it-IT" sz="1300" dirty="0"/>
           </a:p>
         </p:txBody>
       </p:sp>
@@ -11788,7 +11816,7 @@
       </p:grpSpPr>
       <p:sp useBgFill="1">
         <p:nvSpPr>
-          <p:cNvPr id="60" name="Rectangle 59">
+          <p:cNvPr id="79" name="Rectangle 78">
             <a:extLst>
               <a:ext uri="{FF2B5EF4-FFF2-40B4-BE49-F238E27FC236}">
                 <a16:creationId xmlns:a16="http://schemas.microsoft.com/office/drawing/2014/main" id="{50E4C519-FBE9-4ABE-A8F9-C2CBE326932F}"/>
@@ -11848,10 +11876,10 @@
       </p:sp>
       <p:pic>
         <p:nvPicPr>
-          <p:cNvPr id="5" name="Picture 3" descr="Immagine che contiene uomo, largo, stanza, aria&#10;&#10;Descrizione generata automaticamente">
-            <a:extLst>
-              <a:ext uri="{FF2B5EF4-FFF2-40B4-BE49-F238E27FC236}">
-                <a16:creationId xmlns:a16="http://schemas.microsoft.com/office/drawing/2014/main" id="{45ADD2E8-22F9-114F-90CE-46E2CF8A69EE}"/>
+          <p:cNvPr id="37" name="Immagine 36" descr="Immagine che contiene segnale, disegnando&#10;&#10;Descrizione generata automaticamente">
+            <a:extLst>
+              <a:ext uri="{FF2B5EF4-FFF2-40B4-BE49-F238E27FC236}">
+                <a16:creationId xmlns:a16="http://schemas.microsoft.com/office/drawing/2014/main" id="{9DC78F71-1741-426B-B92E-E3566E1082FB}"/>
               </a:ext>
             </a:extLst>
           </p:cNvPr>
@@ -11862,7 +11890,7 @@
         </p:nvPicPr>
         <p:blipFill rotWithShape="1">
           <a:blip r:embed="rId2"/>
-          <a:srcRect r="21729"/>
+          <a:srcRect l="21377" r="13398"/>
           <a:stretch/>
         </p:blipFill>
         <p:spPr>
@@ -11911,7 +11939,7 @@
       </p:pic>
       <p:sp useBgFill="1">
         <p:nvSpPr>
-          <p:cNvPr id="62" name="Freeform: Shape 61">
+          <p:cNvPr id="81" name="Freeform: Shape 80">
             <a:extLst>
               <a:ext uri="{FF2B5EF4-FFF2-40B4-BE49-F238E27FC236}">
                 <a16:creationId xmlns:a16="http://schemas.microsoft.com/office/drawing/2014/main" id="{80EC29FB-299E-49F3-8C7B-01199632A30F}"/>
@@ -12086,7 +12114,7 @@
       </p:sp>
       <p:sp useBgFill="1">
         <p:nvSpPr>
-          <p:cNvPr id="64" name="Freeform: Shape 63">
+          <p:cNvPr id="83" name="Freeform: Shape 82">
             <a:extLst>
               <a:ext uri="{FF2B5EF4-FFF2-40B4-BE49-F238E27FC236}">
                 <a16:creationId xmlns:a16="http://schemas.microsoft.com/office/drawing/2014/main" id="{C29A2522-B27A-45C5-897B-79A1407D159A}"/>
@@ -12252,7 +12280,7 @@
           <p:cNvPr id="2" name="Titolo 1">
             <a:extLst>
               <a:ext uri="{FF2B5EF4-FFF2-40B4-BE49-F238E27FC236}">
-                <a16:creationId xmlns:a16="http://schemas.microsoft.com/office/drawing/2014/main" id="{241F3AD9-1ED5-E649-BC85-CCA81F53769D}"/>
+                <a16:creationId xmlns:a16="http://schemas.microsoft.com/office/drawing/2014/main" id="{5EC32BA0-B858-4EF6-8D24-A574DAE41D40}"/>
               </a:ext>
             </a:extLst>
           </p:cNvPr>
@@ -12277,14 +12305,14 @@
           <a:p>
             <a:r>
               <a:rPr lang="it-IT" sz="2800" b="1"/>
-              <a:t>RECORD LINKAGE</a:t>
+              <a:t>GOOGLE MAPS</a:t>
             </a:r>
           </a:p>
         </p:txBody>
       </p:sp>
       <p:sp>
         <p:nvSpPr>
-          <p:cNvPr id="66" name="Rectangle 65">
+          <p:cNvPr id="85" name="Rectangle 84">
             <a:extLst>
               <a:ext uri="{FF2B5EF4-FFF2-40B4-BE49-F238E27FC236}">
                 <a16:creationId xmlns:a16="http://schemas.microsoft.com/office/drawing/2014/main" id="{98E79BE4-34FE-485A-98A5-92CE8F7C4743}"/>
@@ -12376,7 +12404,7 @@
       </p:sp>
       <p:sp>
         <p:nvSpPr>
-          <p:cNvPr id="68" name="Rectangle 67">
+          <p:cNvPr id="87" name="Rectangle 86">
             <a:extLst>
               <a:ext uri="{FF2B5EF4-FFF2-40B4-BE49-F238E27FC236}">
                 <a16:creationId xmlns:a16="http://schemas.microsoft.com/office/drawing/2014/main" id="{7A5F0580-5EE9-419F-96EE-B6529EF6E7D0}"/>
@@ -12475,7 +12503,7 @@
           <p:cNvPr id="3" name="Segnaposto contenuto 2">
             <a:extLst>
               <a:ext uri="{FF2B5EF4-FFF2-40B4-BE49-F238E27FC236}">
-                <a16:creationId xmlns:a16="http://schemas.microsoft.com/office/drawing/2014/main" id="{0291A762-54A5-9D4B-8BE1-646316D5255A}"/>
+                <a16:creationId xmlns:a16="http://schemas.microsoft.com/office/drawing/2014/main" id="{1F67E06A-86D0-40D2-A006-C8FD18E5EA45}"/>
               </a:ext>
             </a:extLst>
           </p:cNvPr>
@@ -12505,16 +12533,24 @@
               <a:buNone/>
             </a:pPr>
             <a:r>
-              <a:rPr lang="it-IT" sz="1300"/>
-              <a:t>Dobbiamo affrontare il problema del </a:t>
+              <a:rPr lang="it-IT" sz="1400" dirty="0"/>
+              <a:t>Nei vari </a:t>
             </a:r>
             <a:r>
-              <a:rPr lang="it-IT" sz="1300" b="1"/>
-              <a:t>record linkage multiplo</a:t>
+              <a:rPr lang="it-IT" sz="1400" dirty="0" err="1"/>
+              <a:t>dataset</a:t>
             </a:r>
             <a:r>
-              <a:rPr lang="it-IT" sz="1300"/>
-              <a:t>, che affrontiamo in due modi differenti, al fine di cercare di comprendere quale metodo sia migliore in termini di semplicità d’implementazione o di qualità dei risultati ottenuti. I due approcci differiscono principalmente per come si è cercato di risolvere il problema della molteplicità del linkage.</a:t>
+              <a:rPr lang="it-IT" sz="1400" dirty="0"/>
+              <a:t> le informazioni riguardanti l’indirizzo non erano riportare in maniera uniforme, quindi abbiamo deciso di standardizzare questo parametro ricorrendo alle API di Google </a:t>
+            </a:r>
+            <a:r>
+              <a:rPr lang="it-IT" sz="1400" dirty="0" err="1"/>
+              <a:t>Maps</a:t>
+            </a:r>
+            <a:r>
+              <a:rPr lang="it-IT" sz="1400" dirty="0"/>
+              <a:t>.</a:t>
             </a:r>
           </a:p>
           <a:p>
@@ -12525,16 +12561,56 @@
               <a:buNone/>
             </a:pPr>
             <a:r>
-              <a:rPr lang="it-IT" sz="1300"/>
-              <a:t>In entrambi i metodi vengono però usati i passi principali del record linkage del Record Linkage Toolkit che sono: indexing, comparing, classification e evaluation.</a:t>
+              <a:rPr lang="it-IT" sz="1400" dirty="0"/>
+              <a:t>Consultando la documentazione abbiamo individuato la funzione Text </a:t>
             </a:r>
+            <a:r>
+              <a:rPr lang="it-IT" sz="1400" dirty="0" err="1"/>
+              <a:t>Search</a:t>
+            </a:r>
+            <a:r>
+              <a:rPr lang="it-IT" sz="1400" dirty="0"/>
+              <a:t>, la quale è molto simile alla funzione di </a:t>
+            </a:r>
+            <a:r>
+              <a:rPr lang="it-IT" sz="1400" dirty="0" err="1"/>
+              <a:t>autocompletamento</a:t>
+            </a:r>
+            <a:r>
+              <a:rPr lang="it-IT" sz="1400" dirty="0"/>
+              <a:t> presente su Google </a:t>
+            </a:r>
+            <a:r>
+              <a:rPr lang="it-IT" sz="1400" dirty="0" err="1"/>
+              <a:t>Maps</a:t>
+            </a:r>
+            <a:r>
+              <a:rPr lang="it-IT" sz="1400" dirty="0"/>
+              <a:t> e che quindi ci permette di ricavare indirizzo completi partendo da informazioni parziali.</a:t>
+            </a:r>
+          </a:p>
+          <a:p>
+            <a:pPr>
+              <a:lnSpc>
+                <a:spcPct val="100000"/>
+              </a:lnSpc>
+            </a:pPr>
+            <a:endParaRPr lang="it-IT" sz="1400" dirty="0"/>
+          </a:p>
+          <a:p>
+            <a:pPr>
+              <a:lnSpc>
+                <a:spcPct val="100000"/>
+              </a:lnSpc>
+            </a:pPr>
+            <a:endParaRPr lang="it-IT" sz="1400" dirty="0"/>
           </a:p>
         </p:txBody>
       </p:sp>
     </p:spTree>
     <p:extLst>
       <p:ext uri="{BB962C8B-B14F-4D97-AF65-F5344CB8AC3E}">
-        <p14:creationId xmlns:p14="http://schemas.microsoft.com/office/powerpoint/2010/main" val="4162498972"/>
+        <p14:creationId xmlns:p14="http://schemas.microsoft.com/office/powerpoint/2010/main" val="4213624187"/>
       </p:ext>
     </p:extLst>
   </p:cSld>
@@ -12571,7 +12647,7 @@
       </p:grpSpPr>
       <p:sp useBgFill="1">
         <p:nvSpPr>
-          <p:cNvPr id="79" name="Rectangle 78">
+          <p:cNvPr id="60" name="Rectangle 59">
             <a:extLst>
               <a:ext uri="{FF2B5EF4-FFF2-40B4-BE49-F238E27FC236}">
                 <a16:creationId xmlns:a16="http://schemas.microsoft.com/office/drawing/2014/main" id="{50E4C519-FBE9-4ABE-A8F9-C2CBE326932F}"/>
@@ -12631,10 +12707,10 @@
       </p:sp>
       <p:pic>
         <p:nvPicPr>
-          <p:cNvPr id="37" name="Immagine 36" descr="Immagine che contiene segnale, disegnando&#10;&#10;Descrizione generata automaticamente">
-            <a:extLst>
-              <a:ext uri="{FF2B5EF4-FFF2-40B4-BE49-F238E27FC236}">
-                <a16:creationId xmlns:a16="http://schemas.microsoft.com/office/drawing/2014/main" id="{9DC78F71-1741-426B-B92E-E3566E1082FB}"/>
+          <p:cNvPr id="5" name="Picture 3" descr="Immagine che contiene uomo, largo, stanza, aria&#10;&#10;Descrizione generata automaticamente">
+            <a:extLst>
+              <a:ext uri="{FF2B5EF4-FFF2-40B4-BE49-F238E27FC236}">
+                <a16:creationId xmlns:a16="http://schemas.microsoft.com/office/drawing/2014/main" id="{45ADD2E8-22F9-114F-90CE-46E2CF8A69EE}"/>
               </a:ext>
             </a:extLst>
           </p:cNvPr>
@@ -12645,7 +12721,7 @@
         </p:nvPicPr>
         <p:blipFill rotWithShape="1">
           <a:blip r:embed="rId2"/>
-          <a:srcRect l="21377" r="13398"/>
+          <a:srcRect r="21729"/>
           <a:stretch/>
         </p:blipFill>
         <p:spPr>
@@ -12694,7 +12770,7 @@
       </p:pic>
       <p:sp useBgFill="1">
         <p:nvSpPr>
-          <p:cNvPr id="81" name="Freeform: Shape 80">
+          <p:cNvPr id="62" name="Freeform: Shape 61">
             <a:extLst>
               <a:ext uri="{FF2B5EF4-FFF2-40B4-BE49-F238E27FC236}">
                 <a16:creationId xmlns:a16="http://schemas.microsoft.com/office/drawing/2014/main" id="{80EC29FB-299E-49F3-8C7B-01199632A30F}"/>
@@ -12869,7 +12945,7 @@
       </p:sp>
       <p:sp useBgFill="1">
         <p:nvSpPr>
-          <p:cNvPr id="83" name="Freeform: Shape 82">
+          <p:cNvPr id="64" name="Freeform: Shape 63">
             <a:extLst>
               <a:ext uri="{FF2B5EF4-FFF2-40B4-BE49-F238E27FC236}">
                 <a16:creationId xmlns:a16="http://schemas.microsoft.com/office/drawing/2014/main" id="{C29A2522-B27A-45C5-897B-79A1407D159A}"/>
@@ -13035,7 +13111,7 @@
           <p:cNvPr id="2" name="Titolo 1">
             <a:extLst>
               <a:ext uri="{FF2B5EF4-FFF2-40B4-BE49-F238E27FC236}">
-                <a16:creationId xmlns:a16="http://schemas.microsoft.com/office/drawing/2014/main" id="{5EC32BA0-B858-4EF6-8D24-A574DAE41D40}"/>
+                <a16:creationId xmlns:a16="http://schemas.microsoft.com/office/drawing/2014/main" id="{241F3AD9-1ED5-E649-BC85-CCA81F53769D}"/>
               </a:ext>
             </a:extLst>
           </p:cNvPr>
@@ -13060,14 +13136,14 @@
           <a:p>
             <a:r>
               <a:rPr lang="it-IT" sz="2800" b="1"/>
-              <a:t>GOOGLE MAPS</a:t>
+              <a:t>RECORD LINKAGE</a:t>
             </a:r>
           </a:p>
         </p:txBody>
       </p:sp>
       <p:sp>
         <p:nvSpPr>
-          <p:cNvPr id="85" name="Rectangle 84">
+          <p:cNvPr id="66" name="Rectangle 65">
             <a:extLst>
               <a:ext uri="{FF2B5EF4-FFF2-40B4-BE49-F238E27FC236}">
                 <a16:creationId xmlns:a16="http://schemas.microsoft.com/office/drawing/2014/main" id="{98E79BE4-34FE-485A-98A5-92CE8F7C4743}"/>
@@ -13159,7 +13235,7 @@
       </p:sp>
       <p:sp>
         <p:nvSpPr>
-          <p:cNvPr id="87" name="Rectangle 86">
+          <p:cNvPr id="68" name="Rectangle 67">
             <a:extLst>
               <a:ext uri="{FF2B5EF4-FFF2-40B4-BE49-F238E27FC236}">
                 <a16:creationId xmlns:a16="http://schemas.microsoft.com/office/drawing/2014/main" id="{7A5F0580-5EE9-419F-96EE-B6529EF6E7D0}"/>
@@ -13258,7 +13334,7 @@
           <p:cNvPr id="3" name="Segnaposto contenuto 2">
             <a:extLst>
               <a:ext uri="{FF2B5EF4-FFF2-40B4-BE49-F238E27FC236}">
-                <a16:creationId xmlns:a16="http://schemas.microsoft.com/office/drawing/2014/main" id="{1F67E06A-86D0-40D2-A006-C8FD18E5EA45}"/>
+                <a16:creationId xmlns:a16="http://schemas.microsoft.com/office/drawing/2014/main" id="{0291A762-54A5-9D4B-8BE1-646316D5255A}"/>
               </a:ext>
             </a:extLst>
           </p:cNvPr>
@@ -13288,24 +13364,16 @@
               <a:buNone/>
             </a:pPr>
             <a:r>
-              <a:rPr lang="it-IT" sz="1400" dirty="0"/>
-              <a:t>Nei vari </a:t>
+              <a:rPr lang="it-IT" sz="1300"/>
+              <a:t>Dobbiamo affrontare il problema del </a:t>
             </a:r>
             <a:r>
-              <a:rPr lang="it-IT" sz="1400" dirty="0" err="1"/>
-              <a:t>dataset</a:t>
+              <a:rPr lang="it-IT" sz="1300" b="1"/>
+              <a:t>record linkage multiplo</a:t>
             </a:r>
             <a:r>
-              <a:rPr lang="it-IT" sz="1400" dirty="0"/>
-              <a:t> le informazioni riguardanti l’indirizzo non erano riportare in maniera uniforme, quindi abbiamo deciso di standardizzare questo parametro ricorrendo alle API di Google </a:t>
-            </a:r>
-            <a:r>
-              <a:rPr lang="it-IT" sz="1400" dirty="0" err="1"/>
-              <a:t>Maps</a:t>
-            </a:r>
-            <a:r>
-              <a:rPr lang="it-IT" sz="1400" dirty="0"/>
-              <a:t>.</a:t>
+              <a:rPr lang="it-IT" sz="1300"/>
+              <a:t>, che affrontiamo in due modi differenti, al fine di cercare di comprendere quale metodo sia migliore in termini di semplicità d’implementazione o di qualità dei risultati ottenuti. I due approcci differiscono principalmente per come si è cercato di risolvere il problema della molteplicità del linkage.</a:t>
             </a:r>
           </a:p>
           <a:p>
@@ -13316,56 +13384,16 @@
               <a:buNone/>
             </a:pPr>
             <a:r>
-              <a:rPr lang="it-IT" sz="1400" dirty="0"/>
-              <a:t>Consultando la documentazione abbiamo individuato la funzione Text </a:t>
+              <a:rPr lang="it-IT" sz="1300"/>
+              <a:t>In entrambi i metodi vengono però usati i passi principali del record linkage del Record Linkage Toolkit che sono: indexing, comparing, classification e evaluation.</a:t>
             </a:r>
-            <a:r>
-              <a:rPr lang="it-IT" sz="1400" dirty="0" err="1"/>
-              <a:t>Search</a:t>
-            </a:r>
-            <a:r>
-              <a:rPr lang="it-IT" sz="1400" dirty="0"/>
-              <a:t>, la quale è molto simile alla funzione di </a:t>
-            </a:r>
-            <a:r>
-              <a:rPr lang="it-IT" sz="1400" dirty="0" err="1"/>
-              <a:t>autocompletamento</a:t>
-            </a:r>
-            <a:r>
-              <a:rPr lang="it-IT" sz="1400" dirty="0"/>
-              <a:t> presente su Google </a:t>
-            </a:r>
-            <a:r>
-              <a:rPr lang="it-IT" sz="1400" dirty="0" err="1"/>
-              <a:t>Maps</a:t>
-            </a:r>
-            <a:r>
-              <a:rPr lang="it-IT" sz="1400" dirty="0"/>
-              <a:t> e che quindi ci permette di ricavare indirizzo completi partendo da informazioni parziali.</a:t>
-            </a:r>
-          </a:p>
-          <a:p>
-            <a:pPr>
-              <a:lnSpc>
-                <a:spcPct val="100000"/>
-              </a:lnSpc>
-            </a:pPr>
-            <a:endParaRPr lang="it-IT" sz="1400" dirty="0"/>
-          </a:p>
-          <a:p>
-            <a:pPr>
-              <a:lnSpc>
-                <a:spcPct val="100000"/>
-              </a:lnSpc>
-            </a:pPr>
-            <a:endParaRPr lang="it-IT" sz="1400" dirty="0"/>
           </a:p>
         </p:txBody>
       </p:sp>
     </p:spTree>
     <p:extLst>
       <p:ext uri="{BB962C8B-B14F-4D97-AF65-F5344CB8AC3E}">
-        <p14:creationId xmlns:p14="http://schemas.microsoft.com/office/powerpoint/2010/main" val="4213624187"/>
+        <p14:creationId xmlns:p14="http://schemas.microsoft.com/office/powerpoint/2010/main" val="4162498972"/>
       </p:ext>
     </p:extLst>
   </p:cSld>
@@ -15739,7 +15767,7 @@
               <a:buNone/>
             </a:pPr>
             <a:r>
-              <a:rPr lang="it-IT" sz="1600"/>
+              <a:rPr lang="it-IT" sz="1600" dirty="0"/>
               <a:t>Obiettivo:</a:t>
             </a:r>
           </a:p>
@@ -15751,16 +15779,24 @@
               <a:buNone/>
             </a:pPr>
             <a:r>
-              <a:rPr lang="it-IT" sz="1600"/>
+              <a:rPr lang="it-IT" sz="1600" dirty="0"/>
               <a:t>collegare </a:t>
             </a:r>
             <a:r>
-              <a:rPr lang="it-IT" sz="1600" i="1"/>
+              <a:rPr lang="it-IT" sz="1600" i="1" dirty="0"/>
               <a:t>N</a:t>
             </a:r>
             <a:r>
+              <a:rPr lang="it-IT" sz="1600" dirty="0"/>
+              <a:t> dataset, ottenendo come output un singolo dataset contenente quanta più informazione possibile </a:t>
+            </a:r>
+            <a:r>
               <a:rPr lang="it-IT" sz="1600"/>
-              <a:t> database, ottenendo come output un singolo dataset contenente quanta più informazione possibile dai database originali.</a:t>
+              <a:t>dai dataset </a:t>
+            </a:r>
+            <a:r>
+              <a:rPr lang="it-IT" sz="1600" dirty="0"/>
+              <a:t>originali.</a:t>
             </a:r>
           </a:p>
           <a:p>
@@ -15771,7 +15807,7 @@
               <a:buNone/>
             </a:pPr>
             <a:r>
-              <a:rPr lang="it-IT" sz="1600"/>
+              <a:rPr lang="it-IT" sz="1600" dirty="0"/>
               <a:t>Requisiti implementativi:</a:t>
             </a:r>
           </a:p>
@@ -15782,7 +15818,7 @@
               </a:lnSpc>
             </a:pPr>
             <a:r>
-              <a:rPr lang="it-IT" sz="1600"/>
+              <a:rPr lang="it-IT" sz="1600" dirty="0"/>
               <a:t>Dinamico</a:t>
             </a:r>
           </a:p>
@@ -15793,7 +15829,7 @@
               </a:lnSpc>
             </a:pPr>
             <a:r>
-              <a:rPr lang="it-IT" sz="1600"/>
+              <a:rPr lang="it-IT" sz="1600" dirty="0"/>
               <a:t>Parametrizzabile</a:t>
             </a:r>
           </a:p>
@@ -15804,7 +15840,7 @@
               </a:lnSpc>
             </a:pPr>
             <a:r>
-              <a:rPr lang="it-IT" sz="1600"/>
+              <a:rPr lang="it-IT" sz="1600" dirty="0"/>
               <a:t>Autonomo</a:t>
             </a:r>
           </a:p>
@@ -15814,7 +15850,7 @@
                 <a:spcPct val="100000"/>
               </a:lnSpc>
             </a:pPr>
-            <a:endParaRPr lang="it-IT" sz="1600"/>
+            <a:endParaRPr lang="it-IT" sz="1600" dirty="0"/>
           </a:p>
         </p:txBody>
       </p:sp>

--- a/report/RECORD LINKAGE Rev Fede + Sil + Ivo.pptx
+++ b/report/RECORD LINKAGE Rev Fede + Sil + Ivo.pptx
@@ -15856,7 +15856,7 @@
       </p:sp>
       <p:pic>
         <p:nvPicPr>
-          <p:cNvPr id="6" name="Immagine 5" descr="Immagine che contiene testo, mappa&#10;&#10;Descrizione generata automaticamente">
+          <p:cNvPr id="6" name="Immagine 5">
             <a:extLst>
               <a:ext uri="{FF2B5EF4-FFF2-40B4-BE49-F238E27FC236}">
                 <a16:creationId xmlns:a16="http://schemas.microsoft.com/office/drawing/2014/main" id="{DD91B858-4B0C-3941-BE2B-8A67FD6B0F09}"/>
@@ -15870,14 +15870,13 @@
         </p:nvPicPr>
         <p:blipFill>
           <a:blip r:embed="rId2"/>
-          <a:stretch>
-            <a:fillRect/>
-          </a:stretch>
+          <a:srcRect/>
+          <a:stretch/>
         </p:blipFill>
         <p:spPr>
           <a:xfrm>
-            <a:off x="4674352" y="840784"/>
-            <a:ext cx="7124547" cy="5176429"/>
+            <a:off x="4570577" y="1056446"/>
+            <a:ext cx="7379245" cy="4758425"/>
           </a:xfrm>
           <a:prstGeom prst="rect">
             <a:avLst/>
